--- a/Concept document.pptx
+++ b/Concept document.pptx
@@ -6,6 +6,7 @@
   </p:sldMasterIdLst>
   <p:sldIdLst>
     <p:sldId id="256" r:id="rId2"/>
+    <p:sldId id="257" r:id="rId3"/>
   </p:sldIdLst>
   <p:sldSz cx="12192000" cy="6858000"/>
   <p:notesSz cx="6858000" cy="9144000"/>
@@ -104,6 +105,11 @@
       </a:defRPr>
     </a:lvl9pPr>
   </p:defaultTextStyle>
+  <p:extLst>
+    <p:ext uri="{EFAFB233-063F-42B5-8137-9DF3F51BA10A}">
+      <p15:sldGuideLst xmlns:p15="http://schemas.microsoft.com/office/powerpoint/2012/main"/>
+    </p:ext>
+  </p:extLst>
 </p:presentation>
 </file>
 
@@ -4086,6 +4092,99 @@
 </p:sld>
 </file>
 
+<file path=ppt/slides/slide2.xml><?xml version="1.0" encoding="utf-8"?>
+<p:sld xmlns:a="http://schemas.openxmlformats.org/drawingml/2006/main" xmlns:r="http://schemas.openxmlformats.org/officeDocument/2006/relationships" xmlns:p="http://schemas.openxmlformats.org/presentationml/2006/main">
+  <p:cSld>
+    <p:spTree>
+      <p:nvGrpSpPr>
+        <p:cNvPr id="1" name=""/>
+        <p:cNvGrpSpPr/>
+        <p:nvPr/>
+      </p:nvGrpSpPr>
+      <p:grpSpPr>
+        <a:xfrm>
+          <a:off x="0" y="0"/>
+          <a:ext cx="0" cy="0"/>
+          <a:chOff x="0" y="0"/>
+          <a:chExt cx="0" cy="0"/>
+        </a:xfrm>
+      </p:grpSpPr>
+      <p:sp>
+        <p:nvSpPr>
+          <p:cNvPr id="2" name="Title 1">
+            <a:extLst>
+              <a:ext uri="{FF2B5EF4-FFF2-40B4-BE49-F238E27FC236}">
+                <a16:creationId xmlns:a16="http://schemas.microsoft.com/office/drawing/2014/main" id="{F2657B6B-4360-4C05-86C5-8333E161C02D}"/>
+              </a:ext>
+            </a:extLst>
+          </p:cNvPr>
+          <p:cNvSpPr>
+            <a:spLocks noGrp="1"/>
+          </p:cNvSpPr>
+          <p:nvPr>
+            <p:ph type="title"/>
+          </p:nvPr>
+        </p:nvSpPr>
+        <p:spPr/>
+        <p:txBody>
+          <a:bodyPr/>
+          <a:lstStyle/>
+          <a:p>
+            <a:r>
+              <a:rPr lang="en-IE" dirty="0"/>
+              <a:t>Background</a:t>
+            </a:r>
+          </a:p>
+        </p:txBody>
+      </p:sp>
+      <p:sp>
+        <p:nvSpPr>
+          <p:cNvPr id="3" name="Content Placeholder 2">
+            <a:extLst>
+              <a:ext uri="{FF2B5EF4-FFF2-40B4-BE49-F238E27FC236}">
+                <a16:creationId xmlns:a16="http://schemas.microsoft.com/office/drawing/2014/main" id="{A182A4CF-35FA-4864-8471-61C5A4E30F5E}"/>
+              </a:ext>
+            </a:extLst>
+          </p:cNvPr>
+          <p:cNvSpPr>
+            <a:spLocks noGrp="1"/>
+          </p:cNvSpPr>
+          <p:nvPr>
+            <p:ph idx="1"/>
+          </p:nvPr>
+        </p:nvSpPr>
+        <p:spPr/>
+        <p:txBody>
+          <a:bodyPr/>
+          <a:lstStyle/>
+          <a:p>
+            <a:r>
+              <a:rPr lang="en-US" dirty="0"/>
+              <a:t>player is a disinfection staff who work in a hospital, </a:t>
+            </a:r>
+          </a:p>
+          <a:p>
+            <a:r>
+              <a:rPr lang="en-US" dirty="0"/>
+              <a:t>he need to catch all virus to keep the place clean</a:t>
+            </a:r>
+            <a:endParaRPr lang="en-IE" dirty="0"/>
+          </a:p>
+        </p:txBody>
+      </p:sp>
+    </p:spTree>
+    <p:extLst>
+      <p:ext uri="{BB962C8B-B14F-4D97-AF65-F5344CB8AC3E}">
+        <p14:creationId xmlns:p14="http://schemas.microsoft.com/office/powerpoint/2010/main" val="2733809596"/>
+      </p:ext>
+    </p:extLst>
+  </p:cSld>
+  <p:clrMapOvr>
+    <a:masterClrMapping/>
+  </p:clrMapOvr>
+</p:sld>
+</file>
+
 <file path=ppt/theme/theme1.xml><?xml version="1.0" encoding="utf-8"?>
 <a:theme xmlns:a="http://schemas.openxmlformats.org/drawingml/2006/main" name="Wood Type">
   <a:themeElements>

--- a/Concept document.pptx
+++ b/Concept document.pptx
@@ -7,6 +7,7 @@
   <p:sldIdLst>
     <p:sldId id="256" r:id="rId2"/>
     <p:sldId id="257" r:id="rId3"/>
+    <p:sldId id="258" r:id="rId4"/>
   </p:sldIdLst>
   <p:sldSz cx="12192000" cy="6858000"/>
   <p:notesSz cx="6858000" cy="9144000"/>
@@ -4185,6 +4186,100 @@
 </p:sld>
 </file>
 
+<file path=ppt/slides/slide3.xml><?xml version="1.0" encoding="utf-8"?>
+<p:sld xmlns:a="http://schemas.openxmlformats.org/drawingml/2006/main" xmlns:r="http://schemas.openxmlformats.org/officeDocument/2006/relationships" xmlns:p="http://schemas.openxmlformats.org/presentationml/2006/main">
+  <p:cSld>
+    <p:spTree>
+      <p:nvGrpSpPr>
+        <p:cNvPr id="1" name=""/>
+        <p:cNvGrpSpPr/>
+        <p:nvPr/>
+      </p:nvGrpSpPr>
+      <p:grpSpPr>
+        <a:xfrm>
+          <a:off x="0" y="0"/>
+          <a:ext cx="0" cy="0"/>
+          <a:chOff x="0" y="0"/>
+          <a:chExt cx="0" cy="0"/>
+        </a:xfrm>
+      </p:grpSpPr>
+      <p:sp>
+        <p:nvSpPr>
+          <p:cNvPr id="2" name="Title 1">
+            <a:extLst>
+              <a:ext uri="{FF2B5EF4-FFF2-40B4-BE49-F238E27FC236}">
+                <a16:creationId xmlns:a16="http://schemas.microsoft.com/office/drawing/2014/main" id="{FF06ABC1-ABF9-4035-A605-41E078F55AAC}"/>
+              </a:ext>
+            </a:extLst>
+          </p:cNvPr>
+          <p:cNvSpPr>
+            <a:spLocks noGrp="1"/>
+          </p:cNvSpPr>
+          <p:nvPr>
+            <p:ph type="title"/>
+          </p:nvPr>
+        </p:nvSpPr>
+        <p:spPr/>
+        <p:txBody>
+          <a:bodyPr/>
+          <a:lstStyle/>
+          <a:p>
+            <a:r>
+              <a:rPr lang="en-US" dirty="0"/>
+              <a:t>Description </a:t>
+            </a:r>
+            <a:endParaRPr lang="en-IE" dirty="0"/>
+          </a:p>
+        </p:txBody>
+      </p:sp>
+      <p:sp>
+        <p:nvSpPr>
+          <p:cNvPr id="3" name="Content Placeholder 2">
+            <a:extLst>
+              <a:ext uri="{FF2B5EF4-FFF2-40B4-BE49-F238E27FC236}">
+                <a16:creationId xmlns:a16="http://schemas.microsoft.com/office/drawing/2014/main" id="{D48BD013-0885-4B90-86F2-1AD732ACC079}"/>
+              </a:ext>
+            </a:extLst>
+          </p:cNvPr>
+          <p:cNvSpPr>
+            <a:spLocks noGrp="1"/>
+          </p:cNvSpPr>
+          <p:nvPr>
+            <p:ph idx="1"/>
+          </p:nvPr>
+        </p:nvSpPr>
+        <p:spPr/>
+        <p:txBody>
+          <a:bodyPr/>
+          <a:lstStyle/>
+          <a:p>
+            <a:r>
+              <a:rPr lang="en-US" dirty="0"/>
+              <a:t>player needs to catch different color of virus</a:t>
+            </a:r>
+          </a:p>
+          <a:p>
+            <a:r>
+              <a:rPr lang="en-US" dirty="0"/>
+              <a:t>and let the fresh air go out</a:t>
+            </a:r>
+            <a:endParaRPr lang="en-IE" dirty="0"/>
+          </a:p>
+        </p:txBody>
+      </p:sp>
+    </p:spTree>
+    <p:extLst>
+      <p:ext uri="{BB962C8B-B14F-4D97-AF65-F5344CB8AC3E}">
+        <p14:creationId xmlns:p14="http://schemas.microsoft.com/office/powerpoint/2010/main" val="4072414954"/>
+      </p:ext>
+    </p:extLst>
+  </p:cSld>
+  <p:clrMapOvr>
+    <a:masterClrMapping/>
+  </p:clrMapOvr>
+</p:sld>
+</file>
+
 <file path=ppt/theme/theme1.xml><?xml version="1.0" encoding="utf-8"?>
 <a:theme xmlns:a="http://schemas.openxmlformats.org/drawingml/2006/main" name="Wood Type">
   <a:themeElements>

--- a/Concept document.pptx
+++ b/Concept document.pptx
@@ -4161,18 +4161,54 @@
           <a:p>
             <a:r>
               <a:rPr lang="en-US" dirty="0"/>
-              <a:t>player is a disinfection staff who work in a hospital, </a:t>
+              <a:t>Player is a disinfection staff who work in a hospital, </a:t>
             </a:r>
           </a:p>
           <a:p>
             <a:r>
               <a:rPr lang="en-US" dirty="0"/>
-              <a:t>he need to catch all virus to keep the place clean</a:t>
+              <a:t>Player needs to catch all virus to keep the place clean</a:t>
             </a:r>
             <a:endParaRPr lang="en-IE" dirty="0"/>
           </a:p>
         </p:txBody>
       </p:sp>
+      <p:pic>
+        <p:nvPicPr>
+          <p:cNvPr id="5" name="Picture 4">
+            <a:extLst>
+              <a:ext uri="{FF2B5EF4-FFF2-40B4-BE49-F238E27FC236}">
+                <a16:creationId xmlns:a16="http://schemas.microsoft.com/office/drawing/2014/main" id="{21A39BD5-10A6-4A00-8645-AE419942BC65}"/>
+              </a:ext>
+            </a:extLst>
+          </p:cNvPr>
+          <p:cNvPicPr>
+            <a:picLocks noChangeAspect="1"/>
+          </p:cNvPicPr>
+          <p:nvPr/>
+        </p:nvPicPr>
+        <p:blipFill>
+          <a:blip r:embed="rId2">
+            <a:extLst>
+              <a:ext uri="{28A0092B-C50C-407E-A947-70E740481C1C}">
+                <a14:useLocalDpi xmlns:a14="http://schemas.microsoft.com/office/drawing/2010/main" val="0"/>
+              </a:ext>
+            </a:extLst>
+          </a:blip>
+          <a:stretch>
+            <a:fillRect/>
+          </a:stretch>
+        </p:blipFill>
+        <p:spPr>
+          <a:xfrm>
+            <a:off x="7993247" y="1938131"/>
+            <a:ext cx="3441192" cy="3962400"/>
+          </a:xfrm>
+          <a:prstGeom prst="rect">
+            <a:avLst/>
+          </a:prstGeom>
+        </p:spPr>
+      </p:pic>
     </p:spTree>
     <p:extLst>
       <p:ext uri="{BB962C8B-B14F-4D97-AF65-F5344CB8AC3E}">
@@ -4267,6 +4303,78 @@
           </a:p>
         </p:txBody>
       </p:sp>
+      <p:pic>
+        <p:nvPicPr>
+          <p:cNvPr id="5" name="Picture 4">
+            <a:extLst>
+              <a:ext uri="{FF2B5EF4-FFF2-40B4-BE49-F238E27FC236}">
+                <a16:creationId xmlns:a16="http://schemas.microsoft.com/office/drawing/2014/main" id="{35C5D742-EF93-4270-A2EA-924D3694487E}"/>
+              </a:ext>
+            </a:extLst>
+          </p:cNvPr>
+          <p:cNvPicPr>
+            <a:picLocks noChangeAspect="1"/>
+          </p:cNvPicPr>
+          <p:nvPr/>
+        </p:nvPicPr>
+        <p:blipFill>
+          <a:blip r:embed="rId2">
+            <a:extLst>
+              <a:ext uri="{28A0092B-C50C-407E-A947-70E740481C1C}">
+                <a14:useLocalDpi xmlns:a14="http://schemas.microsoft.com/office/drawing/2010/main" val="0"/>
+              </a:ext>
+            </a:extLst>
+          </a:blip>
+          <a:stretch>
+            <a:fillRect/>
+          </a:stretch>
+        </p:blipFill>
+        <p:spPr>
+          <a:xfrm>
+            <a:off x="6642652" y="781878"/>
+            <a:ext cx="5294243" cy="5294243"/>
+          </a:xfrm>
+          <a:prstGeom prst="rect">
+            <a:avLst/>
+          </a:prstGeom>
+        </p:spPr>
+      </p:pic>
+      <p:pic>
+        <p:nvPicPr>
+          <p:cNvPr id="7" name="Picture 6">
+            <a:extLst>
+              <a:ext uri="{FF2B5EF4-FFF2-40B4-BE49-F238E27FC236}">
+                <a16:creationId xmlns:a16="http://schemas.microsoft.com/office/drawing/2014/main" id="{F1773435-5C8A-437D-864A-05A005ADD573}"/>
+              </a:ext>
+            </a:extLst>
+          </p:cNvPr>
+          <p:cNvPicPr>
+            <a:picLocks noChangeAspect="1"/>
+          </p:cNvPicPr>
+          <p:nvPr/>
+        </p:nvPicPr>
+        <p:blipFill>
+          <a:blip r:embed="rId3">
+            <a:extLst>
+              <a:ext uri="{28A0092B-C50C-407E-A947-70E740481C1C}">
+                <a14:useLocalDpi xmlns:a14="http://schemas.microsoft.com/office/drawing/2010/main" val="0"/>
+              </a:ext>
+            </a:extLst>
+          </a:blip>
+          <a:stretch>
+            <a:fillRect/>
+          </a:stretch>
+        </p:blipFill>
+        <p:spPr>
+          <a:xfrm>
+            <a:off x="1546363" y="3181832"/>
+            <a:ext cx="4549637" cy="3191536"/>
+          </a:xfrm>
+          <a:prstGeom prst="rect">
+            <a:avLst/>
+          </a:prstGeom>
+        </p:spPr>
+      </p:pic>
     </p:spTree>
     <p:extLst>
       <p:ext uri="{BB962C8B-B14F-4D97-AF65-F5344CB8AC3E}">

--- a/Concept document.pptx
+++ b/Concept document.pptx
@@ -4299,6 +4299,25 @@
               <a:rPr lang="en-US" dirty="0"/>
               <a:t>and let the fresh air go out</a:t>
             </a:r>
+          </a:p>
+          <a:p>
+            <a:r>
+              <a:rPr lang="en-US" dirty="0"/>
+              <a:t>The more viruses caught, the faster the decline</a:t>
+            </a:r>
+          </a:p>
+          <a:p>
+            <a:r>
+              <a:rPr lang="en-US" dirty="0"/>
+              <a:t>Missed 5 virus then end game(you </a:t>
+            </a:r>
+            <a:r>
+              <a:rPr lang="en-US"/>
+              <a:t>are fired!)</a:t>
+            </a:r>
+            <a:endParaRPr lang="en-US" dirty="0"/>
+          </a:p>
+          <a:p>
             <a:endParaRPr lang="en-IE" dirty="0"/>
           </a:p>
         </p:txBody>
@@ -4331,8 +4350,8 @@
         </p:blipFill>
         <p:spPr>
           <a:xfrm>
-            <a:off x="6642652" y="781878"/>
-            <a:ext cx="5294243" cy="5294243"/>
+            <a:off x="6920948" y="1060174"/>
+            <a:ext cx="5015947" cy="5015947"/>
           </a:xfrm>
           <a:prstGeom prst="rect">
             <a:avLst/>
@@ -4367,8 +4386,8 @@
         </p:blipFill>
         <p:spPr>
           <a:xfrm>
-            <a:off x="1546363" y="3181832"/>
-            <a:ext cx="4549637" cy="3191536"/>
+            <a:off x="1063752" y="3798862"/>
+            <a:ext cx="3422374" cy="2400770"/>
           </a:xfrm>
           <a:prstGeom prst="rect">
             <a:avLst/>

--- a/Concept document.pptx
+++ b/Concept document.pptx
@@ -4386,7 +4386,7 @@
         </p:blipFill>
         <p:spPr>
           <a:xfrm>
-            <a:off x="1063752" y="3798862"/>
+            <a:off x="2284211" y="3972598"/>
             <a:ext cx="3422374" cy="2400770"/>
           </a:xfrm>
           <a:prstGeom prst="rect">
